--- a/スライド/実験４_1219.pptx
+++ b/スライド/実験４_1219.pptx
@@ -6421,11 +6421,7 @@
           <a:p>
             <a:r>
               <a:rPr lang="ja-JP" altLang="en-US" sz="6000" dirty="0" smtClean="0"/>
-              <a:t>ふゆやすみ</a:t>
-            </a:r>
-            <a:r>
-              <a:rPr lang="ja-JP" altLang="en-US" sz="6000" dirty="0" smtClean="0"/>
-              <a:t>の</a:t>
+              <a:t>ふゆやすみの</a:t>
             </a:r>
             <a:r>
               <a:rPr lang="ja-JP" altLang="en-US" sz="6000" dirty="0"/>
@@ -6521,11 +6517,7 @@
           <a:p>
             <a:r>
               <a:rPr lang="ja-JP" altLang="en-US" sz="3600" dirty="0" smtClean="0"/>
-              <a:t>作成したイラスト</a:t>
-            </a:r>
-            <a:r>
-              <a:rPr lang="ja-JP" altLang="en-US" sz="3600" dirty="0" smtClean="0"/>
-              <a:t>適応</a:t>
+              <a:t>作成したイラスト適応</a:t>
             </a:r>
             <a:endParaRPr lang="en-US" altLang="ja-JP" sz="3600" dirty="0" smtClean="0"/>
           </a:p>
@@ -6893,7 +6885,23 @@
           <a:p>
             <a:r>
               <a:rPr lang="ja-JP" altLang="en-US" sz="3600" dirty="0" smtClean="0"/>
-              <a:t>イラスト・・・９０％</a:t>
+              <a:t>イラスト・</a:t>
+            </a:r>
+            <a:r>
+              <a:rPr lang="ja-JP" altLang="en-US" sz="3600" smtClean="0"/>
+              <a:t>・</a:t>
+            </a:r>
+            <a:r>
+              <a:rPr lang="ja-JP" altLang="en-US" sz="3600" smtClean="0"/>
+              <a:t>・</a:t>
+            </a:r>
+            <a:r>
+              <a:rPr lang="ja-JP" altLang="en-US" sz="3600" smtClean="0"/>
+              <a:t>８５</a:t>
+            </a:r>
+            <a:r>
+              <a:rPr lang="ja-JP" altLang="en-US" sz="3600" smtClean="0"/>
+              <a:t>％</a:t>
             </a:r>
             <a:endParaRPr lang="en-US" altLang="ja-JP" sz="3600" dirty="0" smtClean="0"/>
           </a:p>

--- a/スライド/実験４_1219.pptx
+++ b/スライド/実験４_1219.pptx
@@ -10,8 +10,8 @@
     <p:sldId id="258" r:id="rId4"/>
     <p:sldId id="260" r:id="rId5"/>
     <p:sldId id="266" r:id="rId6"/>
-    <p:sldId id="268" r:id="rId7"/>
-    <p:sldId id="269" r:id="rId8"/>
+    <p:sldId id="269" r:id="rId7"/>
+    <p:sldId id="268" r:id="rId8"/>
     <p:sldId id="270" r:id="rId9"/>
     <p:sldId id="271" r:id="rId10"/>
     <p:sldId id="272" r:id="rId11"/>
@@ -6885,22 +6885,18 @@
           <a:p>
             <a:r>
               <a:rPr lang="ja-JP" altLang="en-US" sz="3600" dirty="0" smtClean="0"/>
-              <a:t>イラスト・</a:t>
-            </a:r>
-            <a:r>
-              <a:rPr lang="ja-JP" altLang="en-US" sz="3600" smtClean="0"/>
+              <a:t>イラスト・・</a:t>
+            </a:r>
+            <a:r>
+              <a:rPr lang="ja-JP" altLang="en-US" sz="3600" dirty="0" smtClean="0"/>
               <a:t>・</a:t>
             </a:r>
             <a:r>
-              <a:rPr lang="ja-JP" altLang="en-US" sz="3600" smtClean="0"/>
-              <a:t>・</a:t>
-            </a:r>
-            <a:r>
-              <a:rPr lang="ja-JP" altLang="en-US" sz="3600" smtClean="0"/>
+              <a:rPr lang="ja-JP" altLang="en-US" sz="3600" dirty="0" smtClean="0"/>
               <a:t>８５</a:t>
             </a:r>
             <a:r>
-              <a:rPr lang="ja-JP" altLang="en-US" sz="3600" smtClean="0"/>
+              <a:rPr lang="ja-JP" altLang="en-US" sz="3600" dirty="0" smtClean="0"/>
               <a:t>％</a:t>
             </a:r>
             <a:endParaRPr lang="en-US" altLang="ja-JP" sz="3600" dirty="0" smtClean="0"/>
@@ -7130,135 +7126,77 @@
           <a:lstStyle/>
           <a:p>
             <a:r>
-              <a:rPr lang="ja-JP" altLang="en-US" sz="3600" dirty="0">
-                <a:latin typeface="+mn-ea"/>
-              </a:rPr>
-              <a:t>新しく追加</a:t>
-            </a:r>
-            <a:r>
-              <a:rPr lang="ja-JP" altLang="en-US" sz="3600" dirty="0" smtClean="0">
-                <a:latin typeface="+mn-ea"/>
-              </a:rPr>
-              <a:t>された</a:t>
-            </a:r>
-            <a:r>
-              <a:rPr lang="ja-JP" altLang="en-US" sz="3600" dirty="0">
-                <a:latin typeface="+mn-ea"/>
-              </a:rPr>
-              <a:t>島の上に</a:t>
-            </a:r>
-            <a:r>
-              <a:rPr lang="en-US" altLang="ja-JP" sz="3600" dirty="0">
-                <a:latin typeface="+mn-ea"/>
-              </a:rPr>
-              <a:t>new!</a:t>
-            </a:r>
-            <a:r>
-              <a:rPr lang="ja-JP" altLang="en-US" sz="3600" dirty="0">
-                <a:latin typeface="+mn-ea"/>
-              </a:rPr>
-              <a:t>の</a:t>
-            </a:r>
-            <a:r>
-              <a:rPr lang="ja-JP" altLang="en-US" sz="3600" dirty="0" smtClean="0">
-                <a:latin typeface="+mn-ea"/>
-              </a:rPr>
-              <a:t>文字</a:t>
-            </a:r>
-            <a:endParaRPr lang="en-US" altLang="ja-JP" sz="3600" dirty="0" smtClean="0">
-              <a:latin typeface="+mn-ea"/>
-            </a:endParaRPr>
+              <a:rPr lang="ja-JP" altLang="en-US" sz="3600" dirty="0"/>
+              <a:t>マップ難易度が追加</a:t>
+            </a:r>
+            <a:r>
+              <a:rPr lang="ja-JP" altLang="en-US" sz="3600" dirty="0" smtClean="0"/>
+              <a:t>される</a:t>
+            </a:r>
+            <a:endParaRPr lang="en-US" altLang="ja-JP" sz="3600" dirty="0" smtClean="0"/>
           </a:p>
           <a:p>
             <a:pPr marL="0" indent="0">
               <a:buNone/>
             </a:pPr>
             <a:r>
-              <a:rPr lang="en-US" altLang="ja-JP" sz="3600" dirty="0">
-                <a:latin typeface="+mn-ea"/>
-              </a:rPr>
+              <a:rPr lang="ja-JP" altLang="en-US" sz="3600" dirty="0" smtClean="0"/>
+              <a:t>・</a:t>
+            </a:r>
+            <a:r>
+              <a:rPr lang="ja-JP" altLang="en-US" sz="3600" dirty="0"/>
+              <a:t>タップしたら</a:t>
+            </a:r>
+            <a:r>
+              <a:rPr lang="en-US" altLang="ja-JP" sz="3600" dirty="0" err="1" smtClean="0"/>
+              <a:t>normal,hard</a:t>
+            </a:r>
+            <a:r>
+              <a:rPr lang="ja-JP" altLang="en-US" sz="3600" dirty="0"/>
+              <a:t>の選択肢出て</a:t>
+            </a:r>
+            <a:r>
+              <a:rPr lang="ja-JP" altLang="en-US" sz="3600" dirty="0" smtClean="0"/>
+              <a:t>くる</a:t>
+            </a:r>
+            <a:endParaRPr lang="en-US" altLang="ja-JP" sz="3600" dirty="0" smtClean="0"/>
+          </a:p>
+          <a:p>
+            <a:pPr marL="0" indent="0">
+              <a:buNone/>
+            </a:pPr>
+            <a:r>
+              <a:rPr lang="ja-JP" altLang="en-US" sz="3600" dirty="0" smtClean="0"/>
+              <a:t>・</a:t>
+            </a:r>
+            <a:r>
+              <a:rPr lang="ja-JP" altLang="en-US" sz="3600" dirty="0"/>
+              <a:t>難易度選択の</a:t>
+            </a:r>
+            <a:r>
+              <a:rPr lang="en-US" altLang="ja-JP" sz="3600" dirty="0"/>
+              <a:t>hard</a:t>
+            </a:r>
+            <a:r>
+              <a:rPr lang="ja-JP" altLang="en-US" sz="3600" dirty="0"/>
+              <a:t>のところだけ</a:t>
+            </a:r>
+            <a:r>
+              <a:rPr lang="en-US" altLang="ja-JP" sz="3600" dirty="0"/>
               <a:t>new</a:t>
             </a:r>
             <a:r>
-              <a:rPr lang="ja-JP" altLang="en-US" sz="3600" dirty="0">
-                <a:latin typeface="+mn-ea"/>
-              </a:rPr>
-              <a:t>の文字を島の画像に</a:t>
-            </a:r>
-            <a:r>
-              <a:rPr lang="ja-JP" altLang="en-US" sz="3600" dirty="0" smtClean="0">
-                <a:latin typeface="+mn-ea"/>
-              </a:rPr>
-              <a:t>貼ったバージョン</a:t>
-            </a:r>
-            <a:r>
-              <a:rPr lang="ja-JP" altLang="en-US" sz="3600" dirty="0">
-                <a:latin typeface="+mn-ea"/>
-              </a:rPr>
-              <a:t>の画像を</a:t>
-            </a:r>
-            <a:r>
-              <a:rPr lang="ja-JP" altLang="en-US" sz="3600" dirty="0" smtClean="0">
-                <a:latin typeface="+mn-ea"/>
-              </a:rPr>
-              <a:t>作る</a:t>
-            </a:r>
-            <a:endParaRPr lang="en-US" altLang="ja-JP" sz="3600" dirty="0">
-              <a:latin typeface="+mn-ea"/>
-            </a:endParaRPr>
-          </a:p>
-          <a:p>
-            <a:pPr marL="0" indent="0">
-              <a:buNone/>
-            </a:pPr>
-            <a:r>
-              <a:rPr lang="ja-JP" altLang="en-US" sz="3600" dirty="0" smtClean="0">
-                <a:latin typeface="+mn-ea"/>
-              </a:rPr>
-              <a:t>・</a:t>
-            </a:r>
-            <a:r>
-              <a:rPr lang="ja-JP" altLang="en-US" sz="3600" dirty="0">
-                <a:latin typeface="+mn-ea"/>
-              </a:rPr>
-              <a:t>シナリオ５冊っていう</a:t>
-            </a:r>
-            <a:r>
-              <a:rPr lang="ja-JP" altLang="en-US" sz="3600" dirty="0" smtClean="0">
-                <a:latin typeface="+mn-ea"/>
-              </a:rPr>
-              <a:t>前提</a:t>
-            </a:r>
-            <a:endParaRPr lang="en-US" altLang="ja-JP" sz="3600" dirty="0" smtClean="0">
-              <a:latin typeface="+mn-ea"/>
-            </a:endParaRPr>
-          </a:p>
-          <a:p>
-            <a:pPr marL="0" indent="0">
-              <a:buNone/>
-            </a:pPr>
-            <a:r>
-              <a:rPr lang="ja-JP" altLang="en-US" sz="3600" dirty="0" smtClean="0">
-                <a:latin typeface="+mn-ea"/>
-              </a:rPr>
-              <a:t>・</a:t>
-            </a:r>
-            <a:r>
-              <a:rPr lang="ja-JP" altLang="en-US" sz="3600" dirty="0">
-                <a:latin typeface="+mn-ea"/>
-              </a:rPr>
-              <a:t>こんぺい島とトイレッ島を難易度上げて使いまわす</a:t>
-            </a:r>
-            <a:endParaRPr lang="en-US" altLang="ja-JP" sz="3600" dirty="0">
-              <a:latin typeface="+mn-ea"/>
-            </a:endParaRPr>
+              <a:rPr lang="ja-JP" altLang="en-US" sz="3600" dirty="0"/>
+              <a:t>ついたバージョンの画像作る</a:t>
+            </a:r>
+            <a:endParaRPr lang="en-US" altLang="ja-JP" sz="3600" dirty="0"/>
           </a:p>
         </p:txBody>
       </p:sp>
     </p:spTree>
     <p:extLst>
       <p:ext uri="{BB962C8B-B14F-4D97-AF65-F5344CB8AC3E}">
-        <p14:creationId xmlns:p14="http://schemas.microsoft.com/office/powerpoint/2010/main" val="1963981743"/>
+        <p14:creationId xmlns:p14="http://schemas.microsoft.com/office/powerpoint/2010/main" val="680792090"/>
       </p:ext>
     </p:extLst>
   </p:cSld>
@@ -7338,77 +7276,135 @@
           <a:lstStyle/>
           <a:p>
             <a:r>
-              <a:rPr lang="ja-JP" altLang="en-US" sz="3600" dirty="0"/>
-              <a:t>マップ難易度が追加</a:t>
-            </a:r>
-            <a:r>
-              <a:rPr lang="ja-JP" altLang="en-US" sz="3600" dirty="0" smtClean="0"/>
-              <a:t>される</a:t>
-            </a:r>
-            <a:endParaRPr lang="en-US" altLang="ja-JP" sz="3600" dirty="0" smtClean="0"/>
+              <a:rPr lang="ja-JP" altLang="en-US" sz="3600" dirty="0">
+                <a:latin typeface="+mn-ea"/>
+              </a:rPr>
+              <a:t>新しく追加</a:t>
+            </a:r>
+            <a:r>
+              <a:rPr lang="ja-JP" altLang="en-US" sz="3600" dirty="0" smtClean="0">
+                <a:latin typeface="+mn-ea"/>
+              </a:rPr>
+              <a:t>された</a:t>
+            </a:r>
+            <a:r>
+              <a:rPr lang="ja-JP" altLang="en-US" sz="3600" dirty="0">
+                <a:latin typeface="+mn-ea"/>
+              </a:rPr>
+              <a:t>島の上に</a:t>
+            </a:r>
+            <a:r>
+              <a:rPr lang="en-US" altLang="ja-JP" sz="3600" dirty="0">
+                <a:latin typeface="+mn-ea"/>
+              </a:rPr>
+              <a:t>new!</a:t>
+            </a:r>
+            <a:r>
+              <a:rPr lang="ja-JP" altLang="en-US" sz="3600" dirty="0">
+                <a:latin typeface="+mn-ea"/>
+              </a:rPr>
+              <a:t>の</a:t>
+            </a:r>
+            <a:r>
+              <a:rPr lang="ja-JP" altLang="en-US" sz="3600" dirty="0" smtClean="0">
+                <a:latin typeface="+mn-ea"/>
+              </a:rPr>
+              <a:t>文字</a:t>
+            </a:r>
+            <a:endParaRPr lang="en-US" altLang="ja-JP" sz="3600" dirty="0" smtClean="0">
+              <a:latin typeface="+mn-ea"/>
+            </a:endParaRPr>
           </a:p>
           <a:p>
             <a:pPr marL="0" indent="0">
               <a:buNone/>
             </a:pPr>
             <a:r>
-              <a:rPr lang="ja-JP" altLang="en-US" sz="3600" dirty="0" smtClean="0"/>
+              <a:rPr lang="en-US" altLang="ja-JP" sz="3600" dirty="0">
+                <a:latin typeface="+mn-ea"/>
+              </a:rPr>
+              <a:t>new</a:t>
+            </a:r>
+            <a:r>
+              <a:rPr lang="ja-JP" altLang="en-US" sz="3600" dirty="0">
+                <a:latin typeface="+mn-ea"/>
+              </a:rPr>
+              <a:t>の文字を島の画像に</a:t>
+            </a:r>
+            <a:r>
+              <a:rPr lang="ja-JP" altLang="en-US" sz="3600" dirty="0" smtClean="0">
+                <a:latin typeface="+mn-ea"/>
+              </a:rPr>
+              <a:t>貼ったバージョン</a:t>
+            </a:r>
+            <a:r>
+              <a:rPr lang="ja-JP" altLang="en-US" sz="3600" dirty="0">
+                <a:latin typeface="+mn-ea"/>
+              </a:rPr>
+              <a:t>の画像を</a:t>
+            </a:r>
+            <a:r>
+              <a:rPr lang="ja-JP" altLang="en-US" sz="3600" dirty="0" smtClean="0">
+                <a:latin typeface="+mn-ea"/>
+              </a:rPr>
+              <a:t>作る</a:t>
+            </a:r>
+            <a:endParaRPr lang="en-US" altLang="ja-JP" sz="3600" dirty="0">
+              <a:latin typeface="+mn-ea"/>
+            </a:endParaRPr>
+          </a:p>
+          <a:p>
+            <a:pPr marL="0" indent="0">
+              <a:buNone/>
+            </a:pPr>
+            <a:r>
+              <a:rPr lang="ja-JP" altLang="en-US" sz="3600" dirty="0" smtClean="0">
+                <a:latin typeface="+mn-ea"/>
+              </a:rPr>
               <a:t>・</a:t>
             </a:r>
             <a:r>
-              <a:rPr lang="ja-JP" altLang="en-US" sz="3600" dirty="0"/>
-              <a:t>タップしたら</a:t>
-            </a:r>
-            <a:r>
-              <a:rPr lang="en-US" altLang="ja-JP" sz="3600" dirty="0" err="1" smtClean="0"/>
-              <a:t>normal,hard</a:t>
-            </a:r>
-            <a:r>
-              <a:rPr lang="ja-JP" altLang="en-US" sz="3600" dirty="0"/>
-              <a:t>の選択肢出て</a:t>
-            </a:r>
-            <a:r>
-              <a:rPr lang="ja-JP" altLang="en-US" sz="3600" dirty="0" smtClean="0"/>
-              <a:t>くる</a:t>
-            </a:r>
-            <a:endParaRPr lang="en-US" altLang="ja-JP" sz="3600" dirty="0" smtClean="0"/>
+              <a:rPr lang="ja-JP" altLang="en-US" sz="3600" dirty="0">
+                <a:latin typeface="+mn-ea"/>
+              </a:rPr>
+              <a:t>シナリオ５冊っていう</a:t>
+            </a:r>
+            <a:r>
+              <a:rPr lang="ja-JP" altLang="en-US" sz="3600" dirty="0" smtClean="0">
+                <a:latin typeface="+mn-ea"/>
+              </a:rPr>
+              <a:t>前提</a:t>
+            </a:r>
+            <a:endParaRPr lang="en-US" altLang="ja-JP" sz="3600" dirty="0" smtClean="0">
+              <a:latin typeface="+mn-ea"/>
+            </a:endParaRPr>
           </a:p>
           <a:p>
             <a:pPr marL="0" indent="0">
               <a:buNone/>
             </a:pPr>
             <a:r>
-              <a:rPr lang="ja-JP" altLang="en-US" sz="3600" dirty="0" smtClean="0"/>
+              <a:rPr lang="ja-JP" altLang="en-US" sz="3600" dirty="0" smtClean="0">
+                <a:latin typeface="+mn-ea"/>
+              </a:rPr>
               <a:t>・</a:t>
             </a:r>
             <a:r>
-              <a:rPr lang="ja-JP" altLang="en-US" sz="3600" dirty="0"/>
-              <a:t>難易度選択の</a:t>
-            </a:r>
-            <a:r>
-              <a:rPr lang="en-US" altLang="ja-JP" sz="3600" dirty="0"/>
-              <a:t>hard</a:t>
-            </a:r>
-            <a:r>
-              <a:rPr lang="ja-JP" altLang="en-US" sz="3600" dirty="0"/>
-              <a:t>のところだけ</a:t>
-            </a:r>
-            <a:r>
-              <a:rPr lang="en-US" altLang="ja-JP" sz="3600" dirty="0"/>
-              <a:t>new</a:t>
-            </a:r>
-            <a:r>
-              <a:rPr lang="ja-JP" altLang="en-US" sz="3600" dirty="0"/>
-              <a:t>ついたバージョンの画像作る</a:t>
-            </a:r>
-            <a:endParaRPr lang="en-US" altLang="ja-JP" sz="3600" dirty="0"/>
+              <a:rPr lang="ja-JP" altLang="en-US" sz="3600" dirty="0">
+                <a:latin typeface="+mn-ea"/>
+              </a:rPr>
+              <a:t>こんぺい島とトイレッ島を難易度上げて使いまわす</a:t>
+            </a:r>
+            <a:endParaRPr lang="en-US" altLang="ja-JP" sz="3600" dirty="0">
+              <a:latin typeface="+mn-ea"/>
+            </a:endParaRPr>
           </a:p>
         </p:txBody>
       </p:sp>
     </p:spTree>
     <p:extLst>
       <p:ext uri="{BB962C8B-B14F-4D97-AF65-F5344CB8AC3E}">
-        <p14:creationId xmlns:p14="http://schemas.microsoft.com/office/powerpoint/2010/main" val="680792090"/>
+        <p14:creationId xmlns:p14="http://schemas.microsoft.com/office/powerpoint/2010/main" val="1963981743"/>
       </p:ext>
     </p:extLst>
   </p:cSld>
